--- a/ITI/TF/Volume1/media/Figure_7.3-1.pptx
+++ b/ITI/TF/Volume1/media/Figure_7.3-1.pptx
@@ -104,6 +104,11 @@
       </a:defRPr>
     </a:lvl9pPr>
   </p:defaultTextStyle>
+  <p:extLst>
+    <p:ext uri="{EFAFB233-063F-42B5-8137-9DF3F51BA10A}">
+      <p15:sldGuideLst xmlns:p15="http://schemas.microsoft.com/office/powerpoint/2012/main"/>
+    </p:ext>
+  </p:extLst>
 </p:presentation>
 </file>
 
@@ -254,7 +259,7 @@
           <a:p>
             <a:fld id="{A48A2E8B-D160-6042-BBB7-334EE262DAC7}" type="datetimeFigureOut">
               <a:rPr lang="en-US" smtClean="0"/>
-              <a:t>8/10/20</a:t>
+              <a:t>8/25/20</a:t>
             </a:fld>
             <a:endParaRPr lang="en-US"/>
           </a:p>
@@ -452,7 +457,7 @@
           <a:p>
             <a:fld id="{A48A2E8B-D160-6042-BBB7-334EE262DAC7}" type="datetimeFigureOut">
               <a:rPr lang="en-US" smtClean="0"/>
-              <a:t>8/10/20</a:t>
+              <a:t>8/25/20</a:t>
             </a:fld>
             <a:endParaRPr lang="en-US"/>
           </a:p>
@@ -660,7 +665,7 @@
           <a:p>
             <a:fld id="{A48A2E8B-D160-6042-BBB7-334EE262DAC7}" type="datetimeFigureOut">
               <a:rPr lang="en-US" smtClean="0"/>
-              <a:t>8/10/20</a:t>
+              <a:t>8/25/20</a:t>
             </a:fld>
             <a:endParaRPr lang="en-US"/>
           </a:p>
@@ -858,7 +863,7 @@
           <a:p>
             <a:fld id="{A48A2E8B-D160-6042-BBB7-334EE262DAC7}" type="datetimeFigureOut">
               <a:rPr lang="en-US" smtClean="0"/>
-              <a:t>8/10/20</a:t>
+              <a:t>8/25/20</a:t>
             </a:fld>
             <a:endParaRPr lang="en-US"/>
           </a:p>
@@ -1133,7 +1138,7 @@
           <a:p>
             <a:fld id="{A48A2E8B-D160-6042-BBB7-334EE262DAC7}" type="datetimeFigureOut">
               <a:rPr lang="en-US" smtClean="0"/>
-              <a:t>8/10/20</a:t>
+              <a:t>8/25/20</a:t>
             </a:fld>
             <a:endParaRPr lang="en-US"/>
           </a:p>
@@ -1398,7 +1403,7 @@
           <a:p>
             <a:fld id="{A48A2E8B-D160-6042-BBB7-334EE262DAC7}" type="datetimeFigureOut">
               <a:rPr lang="en-US" smtClean="0"/>
-              <a:t>8/10/20</a:t>
+              <a:t>8/25/20</a:t>
             </a:fld>
             <a:endParaRPr lang="en-US"/>
           </a:p>
@@ -1810,7 +1815,7 @@
           <a:p>
             <a:fld id="{A48A2E8B-D160-6042-BBB7-334EE262DAC7}" type="datetimeFigureOut">
               <a:rPr lang="en-US" smtClean="0"/>
-              <a:t>8/10/20</a:t>
+              <a:t>8/25/20</a:t>
             </a:fld>
             <a:endParaRPr lang="en-US"/>
           </a:p>
@@ -1951,7 +1956,7 @@
           <a:p>
             <a:fld id="{A48A2E8B-D160-6042-BBB7-334EE262DAC7}" type="datetimeFigureOut">
               <a:rPr lang="en-US" smtClean="0"/>
-              <a:t>8/10/20</a:t>
+              <a:t>8/25/20</a:t>
             </a:fld>
             <a:endParaRPr lang="en-US"/>
           </a:p>
@@ -2064,7 +2069,7 @@
           <a:p>
             <a:fld id="{A48A2E8B-D160-6042-BBB7-334EE262DAC7}" type="datetimeFigureOut">
               <a:rPr lang="en-US" smtClean="0"/>
-              <a:t>8/10/20</a:t>
+              <a:t>8/25/20</a:t>
             </a:fld>
             <a:endParaRPr lang="en-US"/>
           </a:p>
@@ -2375,7 +2380,7 @@
           <a:p>
             <a:fld id="{A48A2E8B-D160-6042-BBB7-334EE262DAC7}" type="datetimeFigureOut">
               <a:rPr lang="en-US" smtClean="0"/>
-              <a:t>8/10/20</a:t>
+              <a:t>8/25/20</a:t>
             </a:fld>
             <a:endParaRPr lang="en-US"/>
           </a:p>
@@ -2663,7 +2668,7 @@
           <a:p>
             <a:fld id="{A48A2E8B-D160-6042-BBB7-334EE262DAC7}" type="datetimeFigureOut">
               <a:rPr lang="en-US" smtClean="0"/>
-              <a:t>8/10/20</a:t>
+              <a:t>8/25/20</a:t>
             </a:fld>
             <a:endParaRPr lang="en-US"/>
           </a:p>
@@ -2904,7 +2909,7 @@
           <a:p>
             <a:fld id="{A48A2E8B-D160-6042-BBB7-334EE262DAC7}" type="datetimeFigureOut">
               <a:rPr lang="en-US" smtClean="0"/>
-              <a:t>8/10/20</a:t>
+              <a:t>8/25/20</a:t>
             </a:fld>
             <a:endParaRPr lang="en-US"/>
           </a:p>
@@ -3323,6 +3328,58 @@
       </p:grpSpPr>
       <p:sp>
         <p:nvSpPr>
+          <p:cNvPr id="26" name="Line 12">
+            <a:extLst>
+              <a:ext uri="{FF2B5EF4-FFF2-40B4-BE49-F238E27FC236}">
+                <a16:creationId xmlns:a16="http://schemas.microsoft.com/office/drawing/2014/main" id="{0759FD87-13E3-3142-9670-0A6D997B3510}"/>
+              </a:ext>
+            </a:extLst>
+          </p:cNvPr>
+          <p:cNvSpPr>
+            <a:spLocks noChangeShapeType="1"/>
+          </p:cNvSpPr>
+          <p:nvPr/>
+        </p:nvSpPr>
+        <p:spPr bwMode="auto">
+          <a:xfrm flipV="1">
+            <a:off x="2001953" y="856788"/>
+            <a:ext cx="0" cy="1746250"/>
+          </a:xfrm>
+          <a:prstGeom prst="line">
+            <a:avLst/>
+          </a:prstGeom>
+          <a:noFill/>
+          <a:ln w="9525">
+            <a:solidFill>
+              <a:srgbClr val="000000"/>
+            </a:solidFill>
+            <a:prstDash val="dash"/>
+            <a:round/>
+            <a:headEnd/>
+            <a:tailEnd/>
+          </a:ln>
+          <a:extLst>
+            <a:ext uri="{909E8E84-426E-40DD-AFC4-6F175D3DCCD1}">
+              <a14:hiddenFill xmlns:a14="http://schemas.microsoft.com/office/drawing/2010/main">
+                <a:noFill/>
+              </a14:hiddenFill>
+            </a:ext>
+          </a:extLst>
+        </p:spPr>
+        <p:txBody>
+          <a:bodyPr vert="horz" wrap="square" lIns="91440" tIns="45720" rIns="91440" bIns="45720" numCol="1" anchor="t" anchorCtr="0" compatLnSpc="1">
+            <a:prstTxWarp prst="textNoShape">
+              <a:avLst/>
+            </a:prstTxWarp>
+          </a:bodyPr>
+          <a:lstStyle/>
+          <a:p>
+            <a:endParaRPr lang="en-US"/>
+          </a:p>
+        </p:txBody>
+      </p:sp>
+      <p:sp>
+        <p:nvSpPr>
           <p:cNvPr id="4" name="Line 18">
             <a:extLst>
               <a:ext uri="{FF2B5EF4-FFF2-40B4-BE49-F238E27FC236}">
@@ -3369,190 +3426,6 @@
           <a:lstStyle/>
           <a:p>
             <a:endParaRPr lang="en-US"/>
-          </a:p>
-        </p:txBody>
-      </p:sp>
-      <p:sp>
-        <p:nvSpPr>
-          <p:cNvPr id="5" name="Text Box 17">
-            <a:extLst>
-              <a:ext uri="{FF2B5EF4-FFF2-40B4-BE49-F238E27FC236}">
-                <a16:creationId xmlns:a16="http://schemas.microsoft.com/office/drawing/2014/main" id="{46988E26-345A-5647-975E-3E88F3EB8BDD}"/>
-              </a:ext>
-            </a:extLst>
-          </p:cNvPr>
-          <p:cNvSpPr txBox="1">
-            <a:spLocks noChangeArrowheads="1"/>
-          </p:cNvSpPr>
-          <p:nvPr/>
-        </p:nvSpPr>
-        <p:spPr bwMode="auto">
-          <a:xfrm>
-            <a:off x="2155825" y="1204913"/>
-            <a:ext cx="1154113" cy="219075"/>
-          </a:xfrm>
-          <a:prstGeom prst="rect">
-            <a:avLst/>
-          </a:prstGeom>
-          <a:solidFill>
-            <a:srgbClr val="FFFFFF"/>
-          </a:solidFill>
-          <a:ln>
-            <a:noFill/>
-          </a:ln>
-          <a:extLst>
-            <a:ext uri="{91240B29-F687-4F45-9708-019B960494DF}">
-              <a14:hiddenLine xmlns:a14="http://schemas.microsoft.com/office/drawing/2010/main" w="9525">
-                <a:solidFill>
-                  <a:srgbClr val="000000"/>
-                </a:solidFill>
-                <a:miter lim="800000"/>
-                <a:headEnd/>
-                <a:tailEnd/>
-              </a14:hiddenLine>
-            </a:ext>
-          </a:extLst>
-        </p:spPr>
-        <p:txBody>
-          <a:bodyPr vert="horz" wrap="square" lIns="0" tIns="0" rIns="0" bIns="0" numCol="1" anchor="t" anchorCtr="0" compatLnSpc="1">
-            <a:prstTxWarp prst="textNoShape">
-              <a:avLst/>
-            </a:prstTxWarp>
-          </a:bodyPr>
-          <a:lstStyle/>
-          <a:p>
-            <a:pPr marL="0" marR="0" lvl="0" indent="0" algn="l" defTabSz="914400" rtl="0" eaLnBrk="0" fontAlgn="base" latinLnBrk="0" hangingPunct="0">
-              <a:lnSpc>
-                <a:spcPct val="100000"/>
-              </a:lnSpc>
-              <a:spcBef>
-                <a:spcPct val="0"/>
-              </a:spcBef>
-              <a:spcAft>
-                <a:spcPct val="0"/>
-              </a:spcAft>
-              <a:buClrTx/>
-              <a:buSzTx/>
-              <a:buFontTx/>
-              <a:buNone/>
-              <a:tabLst/>
-            </a:pPr>
-            <a:r>
-              <a:rPr kumimoji="0" lang="en-US" altLang="en-US" sz="1000" b="0" i="0" u="none" strike="noStrike" cap="none" normalizeH="0" baseline="0">
-                <a:ln>
-                  <a:noFill/>
-                </a:ln>
-                <a:solidFill>
-                  <a:schemeClr val="tx1"/>
-                </a:solidFill>
-                <a:effectLst/>
-                <a:latin typeface="Arial" panose="020B0604020202020204" pitchFamily="34" charset="0"/>
-                <a:ea typeface="Times New Roman" panose="02020603050405020304" pitchFamily="18" charset="0"/>
-              </a:rPr>
-              <a:t>Maintain Time [ITI-1]</a:t>
-            </a:r>
-            <a:endParaRPr kumimoji="0" lang="en-US" altLang="en-US" sz="1800" b="0" i="0" u="none" strike="noStrike" cap="none" normalizeH="0" baseline="0">
-              <a:ln>
-                <a:noFill/>
-              </a:ln>
-              <a:solidFill>
-                <a:schemeClr val="tx1"/>
-              </a:solidFill>
-              <a:effectLst/>
-              <a:latin typeface="Arial" panose="020B0604020202020204" pitchFamily="34" charset="0"/>
-            </a:endParaRPr>
-          </a:p>
-        </p:txBody>
-      </p:sp>
-      <p:sp>
-        <p:nvSpPr>
-          <p:cNvPr id="6" name="Text Box 16">
-            <a:extLst>
-              <a:ext uri="{FF2B5EF4-FFF2-40B4-BE49-F238E27FC236}">
-                <a16:creationId xmlns:a16="http://schemas.microsoft.com/office/drawing/2014/main" id="{9076AEAE-8782-CE48-B0A2-B7FC8FE3C1A1}"/>
-              </a:ext>
-            </a:extLst>
-          </p:cNvPr>
-          <p:cNvSpPr txBox="1">
-            <a:spLocks noChangeArrowheads="1"/>
-          </p:cNvSpPr>
-          <p:nvPr/>
-        </p:nvSpPr>
-        <p:spPr bwMode="auto">
-          <a:xfrm>
-            <a:off x="560388" y="850900"/>
-            <a:ext cx="1219200" cy="219075"/>
-          </a:xfrm>
-          <a:prstGeom prst="rect">
-            <a:avLst/>
-          </a:prstGeom>
-          <a:solidFill>
-            <a:srgbClr val="FFFFFF"/>
-          </a:solidFill>
-          <a:ln>
-            <a:noFill/>
-          </a:ln>
-          <a:extLst>
-            <a:ext uri="{91240B29-F687-4F45-9708-019B960494DF}">
-              <a14:hiddenLine xmlns:a14="http://schemas.microsoft.com/office/drawing/2010/main" w="9525">
-                <a:solidFill>
-                  <a:srgbClr val="000000"/>
-                </a:solidFill>
-                <a:miter lim="800000"/>
-                <a:headEnd/>
-                <a:tailEnd/>
-              </a14:hiddenLine>
-            </a:ext>
-          </a:extLst>
-        </p:spPr>
-        <p:txBody>
-          <a:bodyPr vert="horz" wrap="square" lIns="0" tIns="0" rIns="0" bIns="0" numCol="1" anchor="t" anchorCtr="0" compatLnSpc="1">
-            <a:prstTxWarp prst="textNoShape">
-              <a:avLst/>
-            </a:prstTxWarp>
-          </a:bodyPr>
-          <a:lstStyle/>
-          <a:p>
-            <a:pPr marL="0" marR="0" lvl="0" indent="0" algn="l" defTabSz="914400" rtl="0" eaLnBrk="0" fontAlgn="base" latinLnBrk="0" hangingPunct="0">
-              <a:lnSpc>
-                <a:spcPct val="100000"/>
-              </a:lnSpc>
-              <a:spcBef>
-                <a:spcPct val="0"/>
-              </a:spcBef>
-              <a:spcAft>
-                <a:spcPct val="0"/>
-              </a:spcAft>
-              <a:buClrTx/>
-              <a:buSzTx/>
-              <a:buFontTx/>
-              <a:buNone/>
-              <a:tabLst/>
-            </a:pPr>
-            <a:r>
-              <a:rPr kumimoji="0" lang="en-US" altLang="en-US" sz="1000" b="0" i="0" u="none" strike="noStrike" cap="none" normalizeH="0" baseline="0">
-                <a:ln>
-                  <a:noFill/>
-                </a:ln>
-                <a:solidFill>
-                  <a:schemeClr val="tx1"/>
-                </a:solidFill>
-                <a:effectLst/>
-                <a:latin typeface="Arial" panose="020B0604020202020204" pitchFamily="34" charset="0"/>
-                <a:ea typeface="Times New Roman" panose="02020603050405020304" pitchFamily="18" charset="0"/>
-              </a:rPr>
-              <a:t>Maintain Time [ITI-1]</a:t>
-            </a:r>
-            <a:endParaRPr kumimoji="0" lang="en-US" altLang="en-US" sz="1800" b="0" i="0" u="none" strike="noStrike" cap="none" normalizeH="0" baseline="0">
-              <a:ln>
-                <a:noFill/>
-              </a:ln>
-              <a:solidFill>
-                <a:schemeClr val="tx1"/>
-              </a:solidFill>
-              <a:effectLst/>
-              <a:latin typeface="Arial" panose="020B0604020202020204" pitchFamily="34" charset="0"/>
-            </a:endParaRPr>
           </a:p>
         </p:txBody>
       </p:sp>
@@ -3716,7 +3589,7 @@
         </p:nvSpPr>
         <p:spPr bwMode="auto">
           <a:xfrm>
-            <a:off x="1265238" y="476250"/>
+            <a:off x="1393032" y="498474"/>
             <a:ext cx="944562" cy="168275"/>
           </a:xfrm>
           <a:prstGeom prst="rect">
@@ -3766,7 +3639,7 @@
               <a:tabLst/>
             </a:pPr>
             <a:r>
-              <a:rPr kumimoji="0" lang="en-US" altLang="en-US" sz="1000" b="0" i="0" u="none" strike="noStrike" cap="none" normalizeH="0" baseline="0">
+              <a:rPr kumimoji="0" lang="en-US" altLang="en-US" sz="1000" b="0" i="0" u="none" strike="noStrike" cap="none" normalizeH="0" baseline="0" dirty="0">
                 <a:ln>
                   <a:noFill/>
                 </a:ln>
@@ -3779,7 +3652,7 @@
               </a:rPr>
               <a:t>Time Client B </a:t>
             </a:r>
-            <a:endParaRPr kumimoji="0" lang="en-US" altLang="en-US" sz="1800" b="0" i="0" u="none" strike="noStrike" cap="none" normalizeH="0" baseline="0">
+            <a:endParaRPr kumimoji="0" lang="en-US" altLang="en-US" sz="1800" b="0" i="0" u="none" strike="noStrike" cap="none" normalizeH="0" baseline="0" dirty="0">
               <a:ln>
                 <a:noFill/>
               </a:ln>
@@ -4064,7 +3937,7 @@
               <a:tabLst/>
             </a:pPr>
             <a:r>
-              <a:rPr kumimoji="0" lang="en-US" altLang="en-US" sz="1000" b="0" i="0" u="none" strike="noStrike" cap="none" normalizeH="0" baseline="0">
+              <a:rPr kumimoji="0" lang="en-US" altLang="en-US" sz="1000" b="0" i="0" u="none" strike="noStrike" cap="none" normalizeH="0" baseline="0" dirty="0">
                 <a:ln>
                   <a:noFill/>
                 </a:ln>
@@ -4072,12 +3945,13 @@
                   <a:schemeClr val="tx1"/>
                 </a:solidFill>
                 <a:effectLst/>
-                <a:latin typeface="Arial" panose="020B0604020202020204" pitchFamily="34" charset="0"/>
+                <a:latin typeface="Times New Roman" panose="02020603050405020304" pitchFamily="18" charset="0"/>
                 <a:ea typeface="Times New Roman" panose="02020603050405020304" pitchFamily="18" charset="0"/>
+                <a:cs typeface="Times New Roman" panose="02020603050405020304" pitchFamily="18" charset="0"/>
               </a:rPr>
               <a:t>Maintain Time [ITI-1]</a:t>
             </a:r>
-            <a:endParaRPr kumimoji="0" lang="en-US" altLang="en-US" sz="1800" b="0" i="0" u="none" strike="noStrike" cap="none" normalizeH="0" baseline="0">
+            <a:endParaRPr kumimoji="0" lang="en-US" altLang="en-US" sz="1800" b="0" i="0" u="none" strike="noStrike" cap="none" normalizeH="0" baseline="0" dirty="0">
               <a:ln>
                 <a:noFill/>
               </a:ln>
@@ -4085,7 +3959,8 @@
                 <a:schemeClr val="tx1"/>
               </a:solidFill>
               <a:effectLst/>
-              <a:latin typeface="Arial" panose="020B0604020202020204" pitchFamily="34" charset="0"/>
+              <a:latin typeface="Times New Roman" panose="02020603050405020304" pitchFamily="18" charset="0"/>
+              <a:cs typeface="Times New Roman" panose="02020603050405020304" pitchFamily="18" charset="0"/>
             </a:endParaRPr>
           </a:p>
         </p:txBody>
@@ -4106,7 +3981,7 @@
         </p:nvSpPr>
         <p:spPr bwMode="auto">
           <a:xfrm>
-            <a:off x="2962275" y="457200"/>
+            <a:off x="2942431" y="501689"/>
             <a:ext cx="915988" cy="320675"/>
           </a:xfrm>
           <a:prstGeom prst="rect">
@@ -4156,7 +4031,7 @@
               <a:tabLst/>
             </a:pPr>
             <a:r>
-              <a:rPr kumimoji="0" lang="en-US" altLang="en-US" sz="1000" b="0" i="0" u="none" strike="noStrike" cap="none" normalizeH="0" baseline="0">
+              <a:rPr kumimoji="0" lang="en-US" altLang="en-US" sz="1000" b="0" i="0" u="none" strike="noStrike" cap="none" normalizeH="0" baseline="0" dirty="0">
                 <a:ln>
                   <a:noFill/>
                 </a:ln>
@@ -4169,7 +4044,7 @@
               </a:rPr>
               <a:t>Time Client C</a:t>
             </a:r>
-            <a:endParaRPr kumimoji="0" lang="en-US" altLang="en-US" sz="1800" b="0" i="0" u="none" strike="noStrike" cap="none" normalizeH="0" baseline="0">
+            <a:endParaRPr kumimoji="0" lang="en-US" altLang="en-US" sz="1800" b="0" i="0" u="none" strike="noStrike" cap="none" normalizeH="0" baseline="0" dirty="0">
               <a:ln>
                 <a:noFill/>
               </a:ln>
@@ -4581,6 +4456,250 @@
           <a:lstStyle/>
           <a:p>
             <a:endParaRPr lang="en-US"/>
+          </a:p>
+        </p:txBody>
+      </p:sp>
+      <p:sp>
+        <p:nvSpPr>
+          <p:cNvPr id="23" name="Rectangle 4">
+            <a:extLst>
+              <a:ext uri="{FF2B5EF4-FFF2-40B4-BE49-F238E27FC236}">
+                <a16:creationId xmlns:a16="http://schemas.microsoft.com/office/drawing/2014/main" id="{29E2773A-53D1-DC49-B6FE-79AB65190654}"/>
+              </a:ext>
+            </a:extLst>
+          </p:cNvPr>
+          <p:cNvSpPr>
+            <a:spLocks noChangeArrowheads="1"/>
+          </p:cNvSpPr>
+          <p:nvPr/>
+        </p:nvSpPr>
+        <p:spPr bwMode="auto">
+          <a:xfrm>
+            <a:off x="1913130" y="1028354"/>
+            <a:ext cx="193675" cy="1052512"/>
+          </a:xfrm>
+          <a:prstGeom prst="rect">
+            <a:avLst/>
+          </a:prstGeom>
+          <a:solidFill>
+            <a:srgbClr val="FFFFFF"/>
+          </a:solidFill>
+          <a:ln w="9525">
+            <a:solidFill>
+              <a:srgbClr val="000000"/>
+            </a:solidFill>
+            <a:miter lim="800000"/>
+            <a:headEnd/>
+            <a:tailEnd/>
+          </a:ln>
+        </p:spPr>
+        <p:txBody>
+          <a:bodyPr vert="horz" wrap="square" lIns="91440" tIns="45720" rIns="91440" bIns="45720" numCol="1" anchor="t" anchorCtr="0" compatLnSpc="1">
+            <a:prstTxWarp prst="textNoShape">
+              <a:avLst/>
+            </a:prstTxWarp>
+          </a:bodyPr>
+          <a:lstStyle/>
+          <a:p>
+            <a:endParaRPr lang="en-US"/>
+          </a:p>
+        </p:txBody>
+      </p:sp>
+      <p:sp>
+        <p:nvSpPr>
+          <p:cNvPr id="24" name="Text Box 8">
+            <a:extLst>
+              <a:ext uri="{FF2B5EF4-FFF2-40B4-BE49-F238E27FC236}">
+                <a16:creationId xmlns:a16="http://schemas.microsoft.com/office/drawing/2014/main" id="{A60890B6-5B7B-C740-A45D-C490624994D9}"/>
+              </a:ext>
+            </a:extLst>
+          </p:cNvPr>
+          <p:cNvSpPr txBox="1">
+            <a:spLocks noChangeArrowheads="1"/>
+          </p:cNvSpPr>
+          <p:nvPr/>
+        </p:nvSpPr>
+        <p:spPr bwMode="auto">
+          <a:xfrm>
+            <a:off x="545499" y="907257"/>
+            <a:ext cx="1338263" cy="295275"/>
+          </a:xfrm>
+          <a:prstGeom prst="rect">
+            <a:avLst/>
+          </a:prstGeom>
+          <a:noFill/>
+          <a:ln>
+            <a:noFill/>
+          </a:ln>
+          <a:extLst>
+            <a:ext uri="{909E8E84-426E-40DD-AFC4-6F175D3DCCD1}">
+              <a14:hiddenFill xmlns:a14="http://schemas.microsoft.com/office/drawing/2010/main">
+                <a:solidFill>
+                  <a:srgbClr val="FFFFFF"/>
+                </a:solidFill>
+              </a14:hiddenFill>
+            </a:ext>
+            <a:ext uri="{91240B29-F687-4F45-9708-019B960494DF}">
+              <a14:hiddenLine xmlns:a14="http://schemas.microsoft.com/office/drawing/2010/main" w="9525">
+                <a:solidFill>
+                  <a:srgbClr val="000000"/>
+                </a:solidFill>
+                <a:miter lim="800000"/>
+                <a:headEnd/>
+                <a:tailEnd/>
+              </a14:hiddenLine>
+            </a:ext>
+          </a:extLst>
+        </p:spPr>
+        <p:txBody>
+          <a:bodyPr vert="horz" wrap="square" lIns="0" tIns="0" rIns="0" bIns="0" numCol="1" anchor="t" anchorCtr="0" compatLnSpc="1">
+            <a:prstTxWarp prst="textNoShape">
+              <a:avLst/>
+            </a:prstTxWarp>
+          </a:bodyPr>
+          <a:lstStyle/>
+          <a:p>
+            <a:pPr marL="0" marR="0" lvl="0" indent="0" algn="l" defTabSz="914400" rtl="0" eaLnBrk="0" fontAlgn="base" latinLnBrk="0" hangingPunct="0">
+              <a:lnSpc>
+                <a:spcPct val="100000"/>
+              </a:lnSpc>
+              <a:spcBef>
+                <a:spcPct val="0"/>
+              </a:spcBef>
+              <a:spcAft>
+                <a:spcPct val="0"/>
+              </a:spcAft>
+              <a:buClrTx/>
+              <a:buSzTx/>
+              <a:buFontTx/>
+              <a:buNone/>
+              <a:tabLst/>
+            </a:pPr>
+            <a:r>
+              <a:rPr kumimoji="0" lang="en-US" altLang="en-US" sz="1000" b="0" i="0" u="none" strike="noStrike" cap="none" normalizeH="0" baseline="0" dirty="0">
+                <a:ln>
+                  <a:noFill/>
+                </a:ln>
+                <a:solidFill>
+                  <a:schemeClr val="tx1"/>
+                </a:solidFill>
+                <a:effectLst/>
+                <a:latin typeface="Times New Roman" panose="02020603050405020304" pitchFamily="18" charset="0"/>
+                <a:ea typeface="Times New Roman" panose="02020603050405020304" pitchFamily="18" charset="0"/>
+                <a:cs typeface="Times New Roman" panose="02020603050405020304" pitchFamily="18" charset="0"/>
+              </a:rPr>
+              <a:t>Maintain Time [ITI-1]</a:t>
+            </a:r>
+            <a:endParaRPr kumimoji="0" lang="en-US" altLang="en-US" sz="1800" b="0" i="0" u="none" strike="noStrike" cap="none" normalizeH="0" baseline="0" dirty="0">
+              <a:ln>
+                <a:noFill/>
+              </a:ln>
+              <a:solidFill>
+                <a:schemeClr val="tx1"/>
+              </a:solidFill>
+              <a:effectLst/>
+              <a:latin typeface="Times New Roman" panose="02020603050405020304" pitchFamily="18" charset="0"/>
+              <a:cs typeface="Times New Roman" panose="02020603050405020304" pitchFamily="18" charset="0"/>
+            </a:endParaRPr>
+          </a:p>
+        </p:txBody>
+      </p:sp>
+      <p:sp>
+        <p:nvSpPr>
+          <p:cNvPr id="25" name="Text Box 8">
+            <a:extLst>
+              <a:ext uri="{FF2B5EF4-FFF2-40B4-BE49-F238E27FC236}">
+                <a16:creationId xmlns:a16="http://schemas.microsoft.com/office/drawing/2014/main" id="{5D43893B-B221-3040-AAF0-A5196E687DA7}"/>
+              </a:ext>
+            </a:extLst>
+          </p:cNvPr>
+          <p:cNvSpPr txBox="1">
+            <a:spLocks noChangeArrowheads="1"/>
+          </p:cNvSpPr>
+          <p:nvPr/>
+        </p:nvSpPr>
+        <p:spPr bwMode="auto">
+          <a:xfrm>
+            <a:off x="2138362" y="1239762"/>
+            <a:ext cx="1338263" cy="295275"/>
+          </a:xfrm>
+          <a:prstGeom prst="rect">
+            <a:avLst/>
+          </a:prstGeom>
+          <a:noFill/>
+          <a:ln>
+            <a:noFill/>
+          </a:ln>
+          <a:extLst>
+            <a:ext uri="{909E8E84-426E-40DD-AFC4-6F175D3DCCD1}">
+              <a14:hiddenFill xmlns:a14="http://schemas.microsoft.com/office/drawing/2010/main">
+                <a:solidFill>
+                  <a:srgbClr val="FFFFFF"/>
+                </a:solidFill>
+              </a14:hiddenFill>
+            </a:ext>
+            <a:ext uri="{91240B29-F687-4F45-9708-019B960494DF}">
+              <a14:hiddenLine xmlns:a14="http://schemas.microsoft.com/office/drawing/2010/main" w="9525">
+                <a:solidFill>
+                  <a:srgbClr val="000000"/>
+                </a:solidFill>
+                <a:miter lim="800000"/>
+                <a:headEnd/>
+                <a:tailEnd/>
+              </a14:hiddenLine>
+            </a:ext>
+          </a:extLst>
+        </p:spPr>
+        <p:txBody>
+          <a:bodyPr vert="horz" wrap="square" lIns="0" tIns="0" rIns="0" bIns="0" numCol="1" anchor="t" anchorCtr="0" compatLnSpc="1">
+            <a:prstTxWarp prst="textNoShape">
+              <a:avLst/>
+            </a:prstTxWarp>
+          </a:bodyPr>
+          <a:lstStyle/>
+          <a:p>
+            <a:pPr marL="0" marR="0" lvl="0" indent="0" algn="l" defTabSz="914400" rtl="0" eaLnBrk="0" fontAlgn="base" latinLnBrk="0" hangingPunct="0">
+              <a:lnSpc>
+                <a:spcPct val="100000"/>
+              </a:lnSpc>
+              <a:spcBef>
+                <a:spcPct val="0"/>
+              </a:spcBef>
+              <a:spcAft>
+                <a:spcPct val="0"/>
+              </a:spcAft>
+              <a:buClrTx/>
+              <a:buSzTx/>
+              <a:buFontTx/>
+              <a:buNone/>
+              <a:tabLst/>
+            </a:pPr>
+            <a:r>
+              <a:rPr kumimoji="0" lang="en-US" altLang="en-US" sz="1000" b="0" i="0" u="none" strike="noStrike" cap="none" normalizeH="0" baseline="0" dirty="0">
+                <a:ln>
+                  <a:noFill/>
+                </a:ln>
+                <a:solidFill>
+                  <a:schemeClr val="tx1"/>
+                </a:solidFill>
+                <a:effectLst/>
+                <a:latin typeface="Times New Roman" panose="02020603050405020304" pitchFamily="18" charset="0"/>
+                <a:ea typeface="Times New Roman" panose="02020603050405020304" pitchFamily="18" charset="0"/>
+                <a:cs typeface="Times New Roman" panose="02020603050405020304" pitchFamily="18" charset="0"/>
+              </a:rPr>
+              <a:t>Maintain Time [ITI-1]</a:t>
+            </a:r>
+            <a:endParaRPr kumimoji="0" lang="en-US" altLang="en-US" sz="1800" b="0" i="0" u="none" strike="noStrike" cap="none" normalizeH="0" baseline="0" dirty="0">
+              <a:ln>
+                <a:noFill/>
+              </a:ln>
+              <a:solidFill>
+                <a:schemeClr val="tx1"/>
+              </a:solidFill>
+              <a:effectLst/>
+              <a:latin typeface="Times New Roman" panose="02020603050405020304" pitchFamily="18" charset="0"/>
+              <a:cs typeface="Times New Roman" panose="02020603050405020304" pitchFamily="18" charset="0"/>
+            </a:endParaRPr>
           </a:p>
         </p:txBody>
       </p:sp>
